--- a/day6/fig/fig.pptx
+++ b/day6/fig/fig.pptx
@@ -5,11 +5,12 @@
     <p:sldMasterId id="2147483660" r:id="rId1"/>
   </p:sldMasterIdLst>
   <p:notesMasterIdLst>
-    <p:notesMasterId r:id="rId4"/>
+    <p:notesMasterId r:id="rId5"/>
   </p:notesMasterIdLst>
   <p:sldIdLst>
     <p:sldId id="256" r:id="rId2"/>
     <p:sldId id="257" r:id="rId3"/>
+    <p:sldId id="258" r:id="rId4"/>
   </p:sldIdLst>
   <p:sldSz cx="9906000" cy="6858000" type="A4"/>
   <p:notesSz cx="6858000" cy="9144000"/>
@@ -200,7 +201,7 @@
           </a:lstStyle>
           <a:p>
             <a:fld id="{234B1B89-6D29-7849-8E65-921CEBC6CA4C}" type="datetimeFigureOut">
-              <a:t>2018/10/21</a:t>
+              <a:t>2018/11/20</a:t>
             </a:fld>
             <a:endParaRPr kumimoji="1" lang="ja-JP" altLang="en-US"/>
           </a:p>
@@ -895,14 +896,14 @@
             <a:p>
               <a:pPr algn="ctr"/>
               <a:r>
-                <a:rPr kumimoji="1" lang="en-US" altLang="ja-JP" dirty="0" smtClean="0"/>
+                <a:rPr kumimoji="1" lang="en-US" altLang="ja-JP" dirty="0"/>
                 <a:t>CPU</a:t>
               </a:r>
             </a:p>
             <a:p>
               <a:pPr algn="ctr"/>
               <a:r>
-                <a:rPr kumimoji="1" lang="en-US" altLang="ja-JP" dirty="0" smtClean="0"/>
+                <a:rPr kumimoji="1" lang="en-US" altLang="ja-JP" dirty="0"/>
                 <a:t>CORE</a:t>
               </a:r>
               <a:endParaRPr kumimoji="1" lang="ja-JP" altLang="en-US" dirty="0"/>
@@ -954,14 +955,14 @@
             <a:p>
               <a:pPr algn="ctr"/>
               <a:r>
-                <a:rPr kumimoji="1" lang="en-US" altLang="ja-JP" dirty="0" smtClean="0"/>
+                <a:rPr kumimoji="1" lang="en-US" altLang="ja-JP" dirty="0"/>
                 <a:t>CPU</a:t>
               </a:r>
             </a:p>
             <a:p>
               <a:pPr algn="ctr"/>
               <a:r>
-                <a:rPr kumimoji="1" lang="en-US" altLang="ja-JP" dirty="0" smtClean="0"/>
+                <a:rPr kumimoji="1" lang="en-US" altLang="ja-JP" dirty="0"/>
                 <a:t>CORE</a:t>
               </a:r>
               <a:endParaRPr kumimoji="1" lang="ja-JP" altLang="en-US" dirty="0"/>
@@ -1013,14 +1014,14 @@
             <a:p>
               <a:pPr algn="ctr"/>
               <a:r>
-                <a:rPr lang="en-US" altLang="ja-JP" dirty="0" smtClean="0"/>
+                <a:rPr lang="en-US" altLang="ja-JP" dirty="0"/>
                 <a:t>CPU</a:t>
               </a:r>
               <a:br>
-                <a:rPr lang="en-US" altLang="ja-JP" dirty="0" smtClean="0"/>
+                <a:rPr lang="en-US" altLang="ja-JP" dirty="0"/>
               </a:br>
               <a:r>
-                <a:rPr lang="en-US" altLang="ja-JP" dirty="0" smtClean="0"/>
+                <a:rPr lang="en-US" altLang="ja-JP" dirty="0"/>
                 <a:t>CORE</a:t>
               </a:r>
               <a:endParaRPr kumimoji="1" lang="ja-JP" altLang="en-US" dirty="0"/>
@@ -1072,14 +1073,14 @@
             <a:p>
               <a:pPr algn="ctr"/>
               <a:r>
-                <a:rPr kumimoji="1" lang="en-US" altLang="ja-JP" dirty="0" smtClean="0"/>
+                <a:rPr kumimoji="1" lang="en-US" altLang="ja-JP" dirty="0"/>
                 <a:t>CPU</a:t>
               </a:r>
             </a:p>
             <a:p>
               <a:pPr algn="ctr"/>
               <a:r>
-                <a:rPr lang="en-US" altLang="ja-JP" dirty="0" smtClean="0"/>
+                <a:rPr lang="en-US" altLang="ja-JP" dirty="0"/>
                 <a:t>CORE</a:t>
               </a:r>
               <a:endParaRPr kumimoji="1" lang="ja-JP" altLang="en-US" dirty="0"/>
@@ -1146,14 +1147,14 @@
             <a:p>
               <a:pPr algn="ctr"/>
               <a:r>
-                <a:rPr kumimoji="1" lang="en-US" altLang="ja-JP" dirty="0" smtClean="0"/>
+                <a:rPr kumimoji="1" lang="en-US" altLang="ja-JP" dirty="0"/>
                 <a:t>CPU</a:t>
               </a:r>
             </a:p>
             <a:p>
               <a:pPr algn="ctr"/>
               <a:r>
-                <a:rPr kumimoji="1" lang="en-US" altLang="ja-JP" dirty="0" smtClean="0"/>
+                <a:rPr kumimoji="1" lang="en-US" altLang="ja-JP" dirty="0"/>
                 <a:t>CORE</a:t>
               </a:r>
               <a:endParaRPr kumimoji="1" lang="ja-JP" altLang="en-US" dirty="0"/>
@@ -1205,14 +1206,14 @@
             <a:p>
               <a:pPr algn="ctr"/>
               <a:r>
-                <a:rPr kumimoji="1" lang="en-US" altLang="ja-JP" dirty="0" smtClean="0"/>
+                <a:rPr kumimoji="1" lang="en-US" altLang="ja-JP" dirty="0"/>
                 <a:t>CPU</a:t>
               </a:r>
             </a:p>
             <a:p>
               <a:pPr algn="ctr"/>
               <a:r>
-                <a:rPr kumimoji="1" lang="en-US" altLang="ja-JP" dirty="0" smtClean="0"/>
+                <a:rPr kumimoji="1" lang="en-US" altLang="ja-JP" dirty="0"/>
                 <a:t>CORE</a:t>
               </a:r>
               <a:endParaRPr kumimoji="1" lang="ja-JP" altLang="en-US" dirty="0"/>
@@ -1264,14 +1265,14 @@
             <a:p>
               <a:pPr algn="ctr"/>
               <a:r>
-                <a:rPr lang="en-US" altLang="ja-JP" dirty="0" smtClean="0"/>
+                <a:rPr lang="en-US" altLang="ja-JP" dirty="0"/>
                 <a:t>CPU</a:t>
               </a:r>
               <a:br>
-                <a:rPr lang="en-US" altLang="ja-JP" dirty="0" smtClean="0"/>
+                <a:rPr lang="en-US" altLang="ja-JP" dirty="0"/>
               </a:br>
               <a:r>
-                <a:rPr lang="en-US" altLang="ja-JP" dirty="0" smtClean="0"/>
+                <a:rPr lang="en-US" altLang="ja-JP" dirty="0"/>
                 <a:t>CORE</a:t>
               </a:r>
               <a:endParaRPr kumimoji="1" lang="ja-JP" altLang="en-US" dirty="0"/>
@@ -1323,14 +1324,14 @@
             <a:p>
               <a:pPr algn="ctr"/>
               <a:r>
-                <a:rPr kumimoji="1" lang="en-US" altLang="ja-JP" dirty="0" smtClean="0"/>
+                <a:rPr kumimoji="1" lang="en-US" altLang="ja-JP" dirty="0"/>
                 <a:t>CPU</a:t>
               </a:r>
             </a:p>
             <a:p>
               <a:pPr algn="ctr"/>
               <a:r>
-                <a:rPr lang="en-US" altLang="ja-JP" dirty="0" smtClean="0"/>
+                <a:rPr lang="en-US" altLang="ja-JP" dirty="0"/>
                 <a:t>CORE</a:t>
               </a:r>
               <a:endParaRPr kumimoji="1" lang="ja-JP" altLang="en-US" dirty="0"/>
@@ -1397,14 +1398,14 @@
             <a:p>
               <a:pPr algn="ctr"/>
               <a:r>
-                <a:rPr kumimoji="1" lang="en-US" altLang="ja-JP" dirty="0" smtClean="0"/>
+                <a:rPr kumimoji="1" lang="en-US" altLang="ja-JP" dirty="0"/>
                 <a:t>CPU</a:t>
               </a:r>
             </a:p>
             <a:p>
               <a:pPr algn="ctr"/>
               <a:r>
-                <a:rPr kumimoji="1" lang="en-US" altLang="ja-JP" dirty="0" smtClean="0"/>
+                <a:rPr kumimoji="1" lang="en-US" altLang="ja-JP" dirty="0"/>
                 <a:t>CORE</a:t>
               </a:r>
               <a:endParaRPr kumimoji="1" lang="ja-JP" altLang="en-US" dirty="0"/>
@@ -1456,14 +1457,14 @@
             <a:p>
               <a:pPr algn="ctr"/>
               <a:r>
-                <a:rPr kumimoji="1" lang="en-US" altLang="ja-JP" dirty="0" smtClean="0"/>
+                <a:rPr kumimoji="1" lang="en-US" altLang="ja-JP" dirty="0"/>
                 <a:t>CPU</a:t>
               </a:r>
             </a:p>
             <a:p>
               <a:pPr algn="ctr"/>
               <a:r>
-                <a:rPr kumimoji="1" lang="en-US" altLang="ja-JP" dirty="0" smtClean="0"/>
+                <a:rPr kumimoji="1" lang="en-US" altLang="ja-JP" dirty="0"/>
                 <a:t>CORE</a:t>
               </a:r>
               <a:endParaRPr kumimoji="1" lang="ja-JP" altLang="en-US" dirty="0"/>
@@ -1515,14 +1516,14 @@
             <a:p>
               <a:pPr algn="ctr"/>
               <a:r>
-                <a:rPr lang="en-US" altLang="ja-JP" dirty="0" smtClean="0"/>
+                <a:rPr lang="en-US" altLang="ja-JP" dirty="0"/>
                 <a:t>CPU</a:t>
               </a:r>
               <a:br>
-                <a:rPr lang="en-US" altLang="ja-JP" dirty="0" smtClean="0"/>
+                <a:rPr lang="en-US" altLang="ja-JP" dirty="0"/>
               </a:br>
               <a:r>
-                <a:rPr lang="en-US" altLang="ja-JP" dirty="0" smtClean="0"/>
+                <a:rPr lang="en-US" altLang="ja-JP" dirty="0"/>
                 <a:t>CORE</a:t>
               </a:r>
               <a:endParaRPr kumimoji="1" lang="ja-JP" altLang="en-US" dirty="0"/>
@@ -1574,14 +1575,14 @@
             <a:p>
               <a:pPr algn="ctr"/>
               <a:r>
-                <a:rPr kumimoji="1" lang="en-US" altLang="ja-JP" dirty="0" smtClean="0"/>
+                <a:rPr kumimoji="1" lang="en-US" altLang="ja-JP" dirty="0"/>
                 <a:t>CPU</a:t>
               </a:r>
             </a:p>
             <a:p>
               <a:pPr algn="ctr"/>
               <a:r>
-                <a:rPr lang="en-US" altLang="ja-JP" dirty="0" smtClean="0"/>
+                <a:rPr lang="en-US" altLang="ja-JP" dirty="0"/>
                 <a:t>CORE</a:t>
               </a:r>
               <a:endParaRPr kumimoji="1" lang="ja-JP" altLang="en-US" dirty="0"/>
@@ -1648,14 +1649,14 @@
             <a:p>
               <a:pPr algn="ctr"/>
               <a:r>
-                <a:rPr kumimoji="1" lang="en-US" altLang="ja-JP" dirty="0" smtClean="0"/>
+                <a:rPr kumimoji="1" lang="en-US" altLang="ja-JP" dirty="0"/>
                 <a:t>CPU</a:t>
               </a:r>
             </a:p>
             <a:p>
               <a:pPr algn="ctr"/>
               <a:r>
-                <a:rPr kumimoji="1" lang="en-US" altLang="ja-JP" dirty="0" smtClean="0"/>
+                <a:rPr kumimoji="1" lang="en-US" altLang="ja-JP" dirty="0"/>
                 <a:t>CORE</a:t>
               </a:r>
               <a:endParaRPr kumimoji="1" lang="ja-JP" altLang="en-US" dirty="0"/>
@@ -1707,14 +1708,14 @@
             <a:p>
               <a:pPr algn="ctr"/>
               <a:r>
-                <a:rPr kumimoji="1" lang="en-US" altLang="ja-JP" dirty="0" smtClean="0"/>
+                <a:rPr kumimoji="1" lang="en-US" altLang="ja-JP" dirty="0"/>
                 <a:t>CPU</a:t>
               </a:r>
             </a:p>
             <a:p>
               <a:pPr algn="ctr"/>
               <a:r>
-                <a:rPr kumimoji="1" lang="en-US" altLang="ja-JP" dirty="0" smtClean="0"/>
+                <a:rPr kumimoji="1" lang="en-US" altLang="ja-JP" dirty="0"/>
                 <a:t>CORE</a:t>
               </a:r>
               <a:endParaRPr kumimoji="1" lang="ja-JP" altLang="en-US" dirty="0"/>
@@ -1766,14 +1767,14 @@
             <a:p>
               <a:pPr algn="ctr"/>
               <a:r>
-                <a:rPr lang="en-US" altLang="ja-JP" dirty="0" smtClean="0"/>
+                <a:rPr lang="en-US" altLang="ja-JP" dirty="0"/>
                 <a:t>CPU</a:t>
               </a:r>
               <a:br>
-                <a:rPr lang="en-US" altLang="ja-JP" dirty="0" smtClean="0"/>
+                <a:rPr lang="en-US" altLang="ja-JP" dirty="0"/>
               </a:br>
               <a:r>
-                <a:rPr lang="en-US" altLang="ja-JP" dirty="0" smtClean="0"/>
+                <a:rPr lang="en-US" altLang="ja-JP" dirty="0"/>
                 <a:t>CORE</a:t>
               </a:r>
               <a:endParaRPr kumimoji="1" lang="ja-JP" altLang="en-US" dirty="0"/>
@@ -1825,14 +1826,14 @@
             <a:p>
               <a:pPr algn="ctr"/>
               <a:r>
-                <a:rPr kumimoji="1" lang="en-US" altLang="ja-JP" dirty="0" smtClean="0"/>
+                <a:rPr kumimoji="1" lang="en-US" altLang="ja-JP" dirty="0"/>
                 <a:t>CPU</a:t>
               </a:r>
             </a:p>
             <a:p>
               <a:pPr algn="ctr"/>
               <a:r>
-                <a:rPr lang="en-US" altLang="ja-JP" dirty="0" smtClean="0"/>
+                <a:rPr lang="en-US" altLang="ja-JP" dirty="0"/>
                 <a:t>CORE</a:t>
               </a:r>
               <a:endParaRPr kumimoji="1" lang="ja-JP" altLang="en-US" dirty="0"/>
@@ -2054,7 +2055,7 @@
             <a:p>
               <a:pPr algn="ctr"/>
               <a:r>
-                <a:rPr kumimoji="1" lang="en-US" altLang="ja-JP" sz="2400" dirty="0" smtClean="0"/>
+                <a:rPr kumimoji="1" lang="en-US" altLang="ja-JP" sz="2400" dirty="0"/>
                 <a:t>Memory</a:t>
               </a:r>
               <a:endParaRPr kumimoji="1" lang="ja-JP" altLang="en-US" sz="2400" dirty="0"/>
@@ -2101,7 +2102,7 @@
             <a:p>
               <a:pPr algn="ctr"/>
               <a:r>
-                <a:rPr kumimoji="1" lang="en-US" altLang="ja-JP" sz="2400" dirty="0" smtClean="0"/>
+                <a:rPr kumimoji="1" lang="en-US" altLang="ja-JP" sz="2400" dirty="0"/>
                 <a:t>Memory</a:t>
               </a:r>
               <a:endParaRPr kumimoji="1" lang="ja-JP" altLang="en-US" sz="2400" dirty="0"/>
@@ -2163,7 +2164,7 @@
             <a:p>
               <a:pPr algn="ctr"/>
               <a:r>
-                <a:rPr kumimoji="1" lang="en-US" altLang="ja-JP" sz="2400" dirty="0" smtClean="0"/>
+                <a:rPr kumimoji="1" lang="en-US" altLang="ja-JP" sz="2400" dirty="0"/>
                 <a:t>Memory</a:t>
               </a:r>
               <a:endParaRPr kumimoji="1" lang="ja-JP" altLang="en-US" sz="2400" dirty="0"/>
@@ -2210,7 +2211,7 @@
             <a:p>
               <a:pPr algn="ctr"/>
               <a:r>
-                <a:rPr kumimoji="1" lang="en-US" altLang="ja-JP" sz="2400" dirty="0" smtClean="0"/>
+                <a:rPr kumimoji="1" lang="en-US" altLang="ja-JP" sz="2400" dirty="0"/>
                 <a:t>Memory</a:t>
               </a:r>
               <a:endParaRPr kumimoji="1" lang="ja-JP" altLang="en-US" sz="2400" dirty="0"/>
@@ -2272,7 +2273,7 @@
             <a:p>
               <a:pPr algn="ctr"/>
               <a:r>
-                <a:rPr kumimoji="1" lang="en-US" altLang="ja-JP" sz="2400" dirty="0" smtClean="0"/>
+                <a:rPr kumimoji="1" lang="en-US" altLang="ja-JP" sz="2400" dirty="0"/>
                 <a:t>Memory</a:t>
               </a:r>
               <a:endParaRPr kumimoji="1" lang="ja-JP" altLang="en-US" sz="2400" dirty="0"/>
@@ -2319,7 +2320,7 @@
             <a:p>
               <a:pPr algn="ctr"/>
               <a:r>
-                <a:rPr kumimoji="1" lang="en-US" altLang="ja-JP" sz="2400" dirty="0" smtClean="0"/>
+                <a:rPr kumimoji="1" lang="en-US" altLang="ja-JP" sz="2400" dirty="0"/>
                 <a:t>Memory</a:t>
               </a:r>
               <a:endParaRPr kumimoji="1" lang="ja-JP" altLang="en-US" sz="2400" dirty="0"/>
@@ -2381,7 +2382,7 @@
             <a:p>
               <a:pPr algn="ctr"/>
               <a:r>
-                <a:rPr kumimoji="1" lang="en-US" altLang="ja-JP" sz="2400" dirty="0" smtClean="0"/>
+                <a:rPr kumimoji="1" lang="en-US" altLang="ja-JP" sz="2400" dirty="0"/>
                 <a:t>Memory</a:t>
               </a:r>
               <a:endParaRPr kumimoji="1" lang="ja-JP" altLang="en-US" sz="2400" dirty="0"/>
@@ -2428,7 +2429,7 @@
             <a:p>
               <a:pPr algn="ctr"/>
               <a:r>
-                <a:rPr kumimoji="1" lang="en-US" altLang="ja-JP" sz="2400" dirty="0" smtClean="0"/>
+                <a:rPr kumimoji="1" lang="en-US" altLang="ja-JP" sz="2400" dirty="0"/>
                 <a:t>Memory</a:t>
               </a:r>
               <a:endParaRPr kumimoji="1" lang="ja-JP" altLang="en-US" sz="2400" dirty="0"/>
@@ -2799,25 +2800,16 @@
           <a:lstStyle/>
           <a:p>
             <a:r>
-              <a:rPr lang="ja-JP" altLang="en-US" sz="2000" dirty="0" smtClean="0"/>
-              <a:t>最初に「楽そ</a:t>
+              <a:rPr lang="ja-JP" altLang="en-US" sz="2000" dirty="0"/>
+              <a:t>最初に「楽そうだから」と思って</a:t>
             </a:r>
-            <a:r>
-              <a:rPr lang="ja-JP" altLang="en-US" sz="2000" dirty="0"/>
-              <a:t>う</a:t>
-            </a:r>
-            <a:r>
-              <a:rPr lang="ja-JP" altLang="en-US" sz="2000" dirty="0" smtClean="0"/>
-              <a:t>だから」と思って</a:t>
-            </a:r>
-            <a:endParaRPr lang="en-US" altLang="ja-JP" sz="2000" dirty="0" smtClean="0"/>
+            <a:endParaRPr lang="en-US" altLang="ja-JP" sz="2000" dirty="0"/>
           </a:p>
           <a:p>
             <a:r>
-              <a:rPr kumimoji="1" lang="ja-JP" altLang="en-US" sz="2000" dirty="0" smtClean="0"/>
+              <a:rPr kumimoji="1" lang="ja-JP" altLang="en-US" sz="2000" dirty="0"/>
               <a:t>仕事を引き受けすぎると・・・</a:t>
             </a:r>
-            <a:endParaRPr kumimoji="1" lang="ja-JP" altLang="en-US" sz="2000" dirty="0"/>
           </a:p>
         </p:txBody>
       </p:sp>
@@ -2870,7 +2862,7 @@
           <a:p>
             <a:pPr algn="ctr"/>
             <a:r>
-              <a:rPr lang="ja-JP" altLang="en-US" sz="2000" dirty="0" smtClean="0">
+              <a:rPr lang="ja-JP" altLang="en-US" sz="2000" dirty="0">
                 <a:solidFill>
                   <a:schemeClr val="tx1"/>
                 </a:solidFill>
@@ -2878,18 +2870,13 @@
               <a:t>これも</a:t>
             </a:r>
             <a:r>
-              <a:rPr kumimoji="1" lang="ja-JP" altLang="en-US" sz="2000" dirty="0" smtClean="0">
+              <a:rPr kumimoji="1" lang="ja-JP" altLang="en-US" sz="2000" dirty="0">
                 <a:solidFill>
                   <a:schemeClr val="tx1"/>
                 </a:solidFill>
               </a:rPr>
               <a:t>お願いね</a:t>
             </a:r>
-            <a:endParaRPr kumimoji="1" lang="ja-JP" altLang="en-US" sz="2000" dirty="0">
-              <a:solidFill>
-                <a:schemeClr val="tx1"/>
-              </a:solidFill>
-            </a:endParaRPr>
           </a:p>
         </p:txBody>
       </p:sp>
@@ -2941,7 +2928,7 @@
           <a:p>
             <a:pPr algn="ctr"/>
             <a:r>
-              <a:rPr lang="ja-JP" altLang="en-US" sz="2000" dirty="0" smtClean="0">
+              <a:rPr lang="ja-JP" altLang="en-US" sz="2000" dirty="0">
                 <a:solidFill>
                   <a:schemeClr val="tx1"/>
                 </a:solidFill>
@@ -3005,7 +2992,7 @@
           <a:p>
             <a:pPr algn="ctr"/>
             <a:r>
-              <a:rPr kumimoji="1" lang="ja-JP" altLang="en-US" sz="2000" dirty="0" err="1" smtClean="0">
+              <a:rPr kumimoji="1" lang="ja-JP" altLang="en-US" sz="2000" dirty="0" err="1">
                 <a:solidFill>
                   <a:schemeClr val="tx1"/>
                 </a:solidFill>
@@ -3051,14 +3038,14 @@
           <a:lstStyle/>
           <a:p>
             <a:r>
-              <a:rPr kumimoji="1" lang="ja-JP" altLang="en-US" sz="2000" dirty="0" smtClean="0"/>
+              <a:rPr kumimoji="1" lang="ja-JP" altLang="en-US" sz="2000" dirty="0"/>
               <a:t>いつの間にか「担当者」になって</a:t>
             </a:r>
-            <a:endParaRPr kumimoji="1" lang="en-US" altLang="ja-JP" sz="2000" dirty="0" smtClean="0"/>
+            <a:endParaRPr kumimoji="1" lang="en-US" altLang="ja-JP" sz="2000" dirty="0"/>
           </a:p>
           <a:p>
             <a:r>
-              <a:rPr lang="ja-JP" altLang="en-US" sz="2000" dirty="0" smtClean="0"/>
+              <a:rPr lang="ja-JP" altLang="en-US" sz="2000" dirty="0"/>
               <a:t>大変なことに・・・</a:t>
             </a:r>
             <a:endParaRPr kumimoji="1" lang="ja-JP" altLang="en-US" sz="2000" dirty="0"/>
@@ -3114,14 +3101,14 @@
           <a:p>
             <a:pPr algn="ctr"/>
             <a:r>
-              <a:rPr lang="ja-JP" altLang="en-US" sz="2000" dirty="0" smtClean="0">
+              <a:rPr lang="ja-JP" altLang="en-US" sz="2000" dirty="0">
                 <a:solidFill>
                   <a:schemeClr val="tx1"/>
                 </a:solidFill>
               </a:rPr>
               <a:t>この件、君が</a:t>
             </a:r>
-            <a:endParaRPr lang="en-US" altLang="ja-JP" sz="2000" dirty="0" smtClean="0">
+            <a:endParaRPr lang="en-US" altLang="ja-JP" sz="2000" dirty="0">
               <a:solidFill>
                 <a:schemeClr val="tx1"/>
               </a:solidFill>
@@ -3130,7 +3117,7 @@
           <a:p>
             <a:pPr algn="ctr"/>
             <a:r>
-              <a:rPr lang="ja-JP" altLang="en-US" sz="2000" dirty="0" smtClean="0">
+              <a:rPr lang="ja-JP" altLang="en-US" sz="2000" dirty="0">
                 <a:solidFill>
                   <a:schemeClr val="tx1"/>
                 </a:solidFill>
@@ -3221,10 +3208,9 @@
           <a:lstStyle/>
           <a:p>
             <a:r>
-              <a:rPr kumimoji="1" lang="ja-JP" altLang="en-US" sz="3200" dirty="0" smtClean="0"/>
+              <a:rPr kumimoji="1" lang="ja-JP" altLang="en-US" sz="3200" dirty="0"/>
               <a:t>ファーストタッチの原則</a:t>
             </a:r>
-            <a:endParaRPr kumimoji="1" lang="ja-JP" altLang="en-US" sz="3200" dirty="0"/>
           </a:p>
         </p:txBody>
       </p:sp>
@@ -3232,6 +3218,226 @@
     <p:extLst>
       <p:ext uri="{BB962C8B-B14F-4D97-AF65-F5344CB8AC3E}">
         <p14:creationId xmlns:p14="http://schemas.microsoft.com/office/powerpoint/2010/main" val="3084154577"/>
+      </p:ext>
+    </p:extLst>
+  </p:cSld>
+  <p:clrMapOvr>
+    <a:masterClrMapping/>
+  </p:clrMapOvr>
+</p:sld>
+</file>
+
+<file path=ppt/slides/slide3.xml><?xml version="1.0" encoding="utf-8"?>
+<p:sld xmlns:a="http://schemas.openxmlformats.org/drawingml/2006/main" xmlns:r="http://schemas.openxmlformats.org/officeDocument/2006/relationships" xmlns:p="http://schemas.openxmlformats.org/presentationml/2006/main">
+  <p:cSld>
+    <p:spTree>
+      <p:nvGrpSpPr>
+        <p:cNvPr id="1" name=""/>
+        <p:cNvGrpSpPr/>
+        <p:nvPr/>
+      </p:nvGrpSpPr>
+      <p:grpSpPr>
+        <a:xfrm>
+          <a:off x="0" y="0"/>
+          <a:ext cx="0" cy="0"/>
+          <a:chOff x="0" y="0"/>
+          <a:chExt cx="0" cy="0"/>
+        </a:xfrm>
+      </p:grpSpPr>
+      <p:pic>
+        <p:nvPicPr>
+          <p:cNvPr id="2" name="図 1">
+            <a:extLst>
+              <a:ext uri="{FF2B5EF4-FFF2-40B4-BE49-F238E27FC236}">
+                <a16:creationId xmlns:a16="http://schemas.microsoft.com/office/drawing/2014/main" id="{E72C49AB-44CB-F74E-9F08-ACE909D7372F}"/>
+              </a:ext>
+            </a:extLst>
+          </p:cNvPr>
+          <p:cNvPicPr>
+            <a:picLocks noChangeAspect="1"/>
+          </p:cNvPicPr>
+          <p:nvPr/>
+        </p:nvPicPr>
+        <p:blipFill>
+          <a:blip r:embed="rId2"/>
+          <a:stretch>
+            <a:fillRect/>
+          </a:stretch>
+        </p:blipFill>
+        <p:spPr>
+          <a:xfrm>
+            <a:off x="4592960" y="1052736"/>
+            <a:ext cx="4064000" cy="3048000"/>
+          </a:xfrm>
+          <a:prstGeom prst="rect">
+            <a:avLst/>
+          </a:prstGeom>
+        </p:spPr>
+      </p:pic>
+      <p:pic>
+        <p:nvPicPr>
+          <p:cNvPr id="3" name="図 2">
+            <a:extLst>
+              <a:ext uri="{FF2B5EF4-FFF2-40B4-BE49-F238E27FC236}">
+                <a16:creationId xmlns:a16="http://schemas.microsoft.com/office/drawing/2014/main" id="{3B0E9ACC-C7CD-FD48-A0CB-FEF5F5402F1C}"/>
+              </a:ext>
+            </a:extLst>
+          </p:cNvPr>
+          <p:cNvPicPr>
+            <a:picLocks noChangeAspect="1"/>
+          </p:cNvPicPr>
+          <p:nvPr/>
+        </p:nvPicPr>
+        <p:blipFill>
+          <a:blip r:embed="rId3"/>
+          <a:stretch>
+            <a:fillRect/>
+          </a:stretch>
+        </p:blipFill>
+        <p:spPr>
+          <a:xfrm>
+            <a:off x="272480" y="980728"/>
+            <a:ext cx="4064000" cy="3048000"/>
+          </a:xfrm>
+          <a:prstGeom prst="rect">
+            <a:avLst/>
+          </a:prstGeom>
+        </p:spPr>
+      </p:pic>
+      <p:sp>
+        <p:nvSpPr>
+          <p:cNvPr id="4" name="テキスト ボックス 3">
+            <a:extLst>
+              <a:ext uri="{FF2B5EF4-FFF2-40B4-BE49-F238E27FC236}">
+                <a16:creationId xmlns:a16="http://schemas.microsoft.com/office/drawing/2014/main" id="{945E13D4-EBB9-FD46-8DCD-4F203EF8875D}"/>
+              </a:ext>
+            </a:extLst>
+          </p:cNvPr>
+          <p:cNvSpPr txBox="1"/>
+          <p:nvPr/>
+        </p:nvSpPr>
+        <p:spPr>
+          <a:xfrm>
+            <a:off x="1928664" y="188640"/>
+            <a:ext cx="5729454" cy="369332"/>
+          </a:xfrm>
+          <a:prstGeom prst="rect">
+            <a:avLst/>
+          </a:prstGeom>
+          <a:noFill/>
+        </p:spPr>
+        <p:txBody>
+          <a:bodyPr wrap="none" rtlCol="0">
+            <a:spAutoFit/>
+          </a:bodyPr>
+          <a:lstStyle/>
+          <a:p>
+            <a:r>
+              <a:rPr kumimoji="1" lang="ja-JP" altLang="en-US"/>
+              <a:t>シングルノード</a:t>
+            </a:r>
+            <a:r>
+              <a:rPr kumimoji="1" lang="en-US" altLang="ja-JP"/>
+              <a:t>(12</a:t>
+            </a:r>
+            <a:r>
+              <a:rPr kumimoji="1" lang="ja-JP" altLang="en-US"/>
+              <a:t>コア</a:t>
+            </a:r>
+            <a:r>
+              <a:rPr lang="en-US" altLang="ja-JP"/>
+              <a:t> x 2</a:t>
+            </a:r>
+            <a:r>
+              <a:rPr lang="ja-JP" altLang="en-US"/>
+              <a:t>ソケット</a:t>
+            </a:r>
+            <a:r>
+              <a:rPr lang="en-US" altLang="ja-JP"/>
+              <a:t>)</a:t>
+            </a:r>
+            <a:r>
+              <a:rPr lang="ja-JP" altLang="en-US"/>
+              <a:t>でのスケーリング</a:t>
+            </a:r>
+            <a:endParaRPr kumimoji="1" lang="ja-JP" altLang="en-US"/>
+          </a:p>
+        </p:txBody>
+      </p:sp>
+      <p:sp>
+        <p:nvSpPr>
+          <p:cNvPr id="5" name="テキスト ボックス 4">
+            <a:extLst>
+              <a:ext uri="{FF2B5EF4-FFF2-40B4-BE49-F238E27FC236}">
+                <a16:creationId xmlns:a16="http://schemas.microsoft.com/office/drawing/2014/main" id="{B5E7FE39-4188-A945-951F-59A75AF5A6A7}"/>
+              </a:ext>
+            </a:extLst>
+          </p:cNvPr>
+          <p:cNvSpPr txBox="1"/>
+          <p:nvPr/>
+        </p:nvSpPr>
+        <p:spPr>
+          <a:xfrm>
+            <a:off x="1928664" y="692696"/>
+            <a:ext cx="1107996" cy="369332"/>
+          </a:xfrm>
+          <a:prstGeom prst="rect">
+            <a:avLst/>
+          </a:prstGeom>
+          <a:noFill/>
+        </p:spPr>
+        <p:txBody>
+          <a:bodyPr wrap="none" rtlCol="0">
+            <a:spAutoFit/>
+          </a:bodyPr>
+          <a:lstStyle/>
+          <a:p>
+            <a:r>
+              <a:rPr kumimoji="1" lang="ja-JP" altLang="en-US"/>
+              <a:t>実行時間</a:t>
+            </a:r>
+          </a:p>
+        </p:txBody>
+      </p:sp>
+      <p:sp>
+        <p:nvSpPr>
+          <p:cNvPr id="6" name="テキスト ボックス 5">
+            <a:extLst>
+              <a:ext uri="{FF2B5EF4-FFF2-40B4-BE49-F238E27FC236}">
+                <a16:creationId xmlns:a16="http://schemas.microsoft.com/office/drawing/2014/main" id="{F20085AF-BAB7-B043-B964-5B3833EBB4B4}"/>
+              </a:ext>
+            </a:extLst>
+          </p:cNvPr>
+          <p:cNvSpPr txBox="1"/>
+          <p:nvPr/>
+        </p:nvSpPr>
+        <p:spPr>
+          <a:xfrm>
+            <a:off x="6105128" y="692696"/>
+            <a:ext cx="1338828" cy="369332"/>
+          </a:xfrm>
+          <a:prstGeom prst="rect">
+            <a:avLst/>
+          </a:prstGeom>
+          <a:noFill/>
+        </p:spPr>
+        <p:txBody>
+          <a:bodyPr wrap="none" rtlCol="0">
+            <a:spAutoFit/>
+          </a:bodyPr>
+          <a:lstStyle/>
+          <a:p>
+            <a:r>
+              <a:rPr kumimoji="1" lang="ja-JP" altLang="en-US"/>
+              <a:t>並列化効率</a:t>
+            </a:r>
+          </a:p>
+        </p:txBody>
+      </p:sp>
+    </p:spTree>
+    <p:extLst>
+      <p:ext uri="{BB962C8B-B14F-4D97-AF65-F5344CB8AC3E}">
+        <p14:creationId xmlns:p14="http://schemas.microsoft.com/office/powerpoint/2010/main" val="5540923"/>
       </p:ext>
     </p:extLst>
   </p:cSld>
